--- a/web/g24/status/Status5.pptx
+++ b/web/g24/status/Status5.pptx
@@ -5291,7 +5291,15 @@
             </a:pPr>
             <a:r>
               <a:rPr lang="da-DK" sz="1600" dirty="0"/>
-              <a:t>De fleste eksamensspørgsmål (6 ud af 8) bygger på det stof, som resten af kurset beskæftiger sig </a:t>
+              <a:t>De fleste eksamensspørgsmål </a:t>
+            </a:r>
+            <a:r>
+              <a:rPr lang="da-DK" sz="1600" dirty="0" smtClean="0"/>
+              <a:t>(7 </a:t>
+            </a:r>
+            <a:r>
+              <a:rPr lang="da-DK" sz="1600" dirty="0"/>
+              <a:t>ud af 8) bygger på det stof, som resten af kurset beskæftiger sig </a:t>
             </a:r>
             <a:r>
               <a:rPr lang="da-DK" sz="1600" dirty="0" smtClean="0"/>
@@ -5802,21 +5810,8 @@
                   <a:srgbClr val="A50021"/>
                 </a:solidFill>
               </a:rPr>
-              <a:t>I Quiz 4 var jeres gennemsnitlige vurdering af pensummets sværhedsgrad </a:t>
-            </a:r>
-            <a:r>
-              <a:rPr lang="da-DK" altLang="da-DK" sz="1800" b="1" spc="-80" dirty="0" smtClean="0">
-                <a:solidFill>
-                  <a:srgbClr val="A50021"/>
-                </a:solidFill>
-              </a:rPr>
-              <a:t>3,00</a:t>
-            </a:r>
-            <a:endParaRPr lang="da-DK" altLang="da-DK" sz="1800" b="1" spc="-80" dirty="0" smtClean="0">
-              <a:solidFill>
-                <a:srgbClr val="A50021"/>
-              </a:solidFill>
-            </a:endParaRPr>
+              <a:t>I Quiz 4 var jeres gennemsnitlige vurdering af pensummets sværhedsgrad 3,00</a:t>
+            </a:r>
           </a:p>
           <a:p>
             <a:pPr marL="742950" lvl="1" indent="-285750">
@@ -5869,15 +5864,15 @@
             </a:pPr>
             <a:r>
               <a:rPr lang="da-DK" altLang="da-DK" sz="1600" dirty="0" smtClean="0"/>
-              <a:t>Det er et ufravigeligt krav, idet det er jer, </a:t>
-            </a:r>
-            <a:r>
-              <a:rPr lang="da-DK" altLang="da-DK" sz="1600" smtClean="0"/>
-              <a:t>der selv skal </a:t>
+              <a:t>Det er et ufravigeligt krav, idet det er jer, der </a:t>
             </a:r>
             <a:r>
               <a:rPr lang="da-DK" altLang="da-DK" sz="1600" dirty="0" smtClean="0"/>
-              <a:t>finde og rette fejlene – ikke instruktorerne</a:t>
+              <a:t>skal øver jer i at finde </a:t>
+            </a:r>
+            <a:r>
+              <a:rPr lang="da-DK" altLang="da-DK" sz="1600" dirty="0" smtClean="0"/>
+              <a:t>og rette fejlene – ikke instruktorerne</a:t>
             </a:r>
           </a:p>
           <a:p>
@@ -5910,15 +5905,7 @@
                   <a:srgbClr val="A50021"/>
                 </a:solidFill>
               </a:rPr>
-              <a:t>4 </a:t>
-            </a:r>
-            <a:r>
-              <a:rPr lang="da-DK" altLang="da-DK" sz="1800" b="1" spc="-40" dirty="0" smtClean="0">
-                <a:solidFill>
-                  <a:srgbClr val="A50021"/>
-                </a:solidFill>
-              </a:rPr>
-              <a:t>fint</a:t>
+              <a:t>4 fint</a:t>
             </a:r>
             <a:endParaRPr lang="da-DK" altLang="da-DK" sz="1800" b="1" spc="-40" dirty="0">
               <a:solidFill>
@@ -5936,15 +5923,7 @@
             </a:pPr>
             <a:r>
               <a:rPr lang="da-DK" altLang="da-DK" sz="1600" dirty="0" smtClean="0"/>
-              <a:t>I brugte </a:t>
-            </a:r>
-            <a:r>
-              <a:rPr lang="da-DK" altLang="da-DK" sz="1600" dirty="0" smtClean="0"/>
-              <a:t>1,43 </a:t>
-            </a:r>
-            <a:r>
-              <a:rPr lang="da-DK" altLang="da-DK" sz="1600" dirty="0" smtClean="0"/>
-              <a:t>forsøg pr spørgsmål (mod 1,52 i foråret 2022)</a:t>
+              <a:t>I brugte 1,43 forsøg pr spørgsmål (mod 1,52 i foråret 2022)</a:t>
             </a:r>
           </a:p>
           <a:p>
@@ -5981,35 +5960,22 @@
             </a:pPr>
             <a:r>
               <a:rPr lang="da-DK" altLang="da-DK" sz="1600" dirty="0"/>
-              <a:t>I kan selvfølgelig stadig få hjælp via diskussionsforummet og studiecaféerne fredag eftermiddag kl 15.30-17.00</a:t>
-            </a:r>
-          </a:p>
-          <a:p>
-            <a:pPr marL="285750" lvl="1" indent="-285750">
-              <a:spcBef>
-                <a:spcPts val="1200"/>
-              </a:spcBef>
-              <a:buFontTx/>
-              <a:buChar char="•"/>
+              <a:t>I kan selvfølgelig stadig få hjælp via diskussionsforummet og studiecaféerne fredag eftermiddag kl </a:t>
+            </a:r>
+            <a:r>
+              <a:rPr lang="da-DK" altLang="da-DK" sz="1600" dirty="0" smtClean="0"/>
+              <a:t>15.30-17.00</a:t>
+            </a:r>
+          </a:p>
+          <a:p>
+            <a:pPr marL="742950" lvl="1" indent="-285750">
+              <a:spcBef>
+                <a:spcPts val="600"/>
+              </a:spcBef>
             </a:pPr>
             <a:r>
-              <a:rPr lang="da-DK" altLang="da-DK" sz="1800" b="1" dirty="0">
-                <a:solidFill>
-                  <a:srgbClr val="A50021"/>
-                </a:solidFill>
-              </a:rPr>
-              <a:t>Læs opgaveformuleringen omhyggeligt</a:t>
-            </a:r>
-          </a:p>
-          <a:p>
-            <a:pPr marL="742950" lvl="1" indent="-285750">
-              <a:spcBef>
-                <a:spcPts val="600"/>
-              </a:spcBef>
-            </a:pPr>
-            <a:r>
-              <a:rPr lang="da-DK" altLang="da-DK" sz="1600" dirty="0"/>
-              <a:t>Mange fejl skyldes, at man misforstår eller overser ting, der står i den</a:t>
+              <a:rPr lang="da-DK" altLang="da-DK" sz="1600" dirty="0" smtClean="0"/>
+              <a:t>I bruger diskussionsforummet langt mindre end tidligere år</a:t>
             </a:r>
           </a:p>
         </p:txBody>
@@ -6251,8 +6217,8 @@
         </p:nvSpPr>
         <p:spPr bwMode="auto">
           <a:xfrm>
-            <a:off x="404799" y="1071208"/>
-            <a:ext cx="8352928" cy="5238112"/>
+            <a:off x="404798" y="1071208"/>
+            <a:ext cx="8415673" cy="5598152"/>
           </a:xfrm>
           <a:prstGeom prst="rect">
             <a:avLst/>
@@ -6419,6 +6385,76 @@
               <a:spcBef>
                 <a:spcPts val="1200"/>
               </a:spcBef>
+              <a:buFontTx/>
+              <a:buChar char="•"/>
+            </a:pPr>
+            <a:r>
+              <a:rPr lang="da-DK" altLang="da-DK" b="1" dirty="0">
+                <a:solidFill>
+                  <a:srgbClr val="A50021"/>
+                </a:solidFill>
+              </a:rPr>
+              <a:t>Læs opgaveformuleringen omhyggeligt</a:t>
+            </a:r>
+          </a:p>
+          <a:p>
+            <a:pPr marL="742950" lvl="1" indent="-285750">
+              <a:spcBef>
+                <a:spcPts val="600"/>
+              </a:spcBef>
+            </a:pPr>
+            <a:r>
+              <a:rPr lang="da-DK" altLang="da-DK" sz="1800" dirty="0"/>
+              <a:t>Mange fejl skyldes, at man misforstår eller overser ting, der står i </a:t>
+            </a:r>
+            <a:r>
+              <a:rPr lang="da-DK" altLang="da-DK" sz="1800" dirty="0" smtClean="0"/>
+              <a:t>den</a:t>
+            </a:r>
+          </a:p>
+          <a:p>
+            <a:pPr marL="285750" lvl="1" indent="-285750">
+              <a:spcBef>
+                <a:spcPts val="1200"/>
+              </a:spcBef>
+              <a:buChar char="•"/>
+            </a:pPr>
+            <a:r>
+              <a:rPr lang="da-DK" altLang="da-DK" sz="1800" b="1" dirty="0" smtClean="0">
+                <a:solidFill>
+                  <a:srgbClr val="A50021"/>
+                </a:solidFill>
+              </a:rPr>
+              <a:t>Læs fejlrapporterne omhyggeligt</a:t>
+            </a:r>
+          </a:p>
+          <a:p>
+            <a:pPr marL="742950" lvl="1" indent="-285750">
+              <a:spcBef>
+                <a:spcPts val="600"/>
+              </a:spcBef>
+            </a:pPr>
+            <a:r>
+              <a:rPr lang="da-DK" altLang="da-DK" sz="1800" dirty="0" smtClean="0"/>
+              <a:t>Både dem fra BlueJ og dem fra testserveren</a:t>
+            </a:r>
+          </a:p>
+          <a:p>
+            <a:pPr marL="742950" lvl="1" indent="-285750">
+              <a:spcBef>
+                <a:spcPts val="600"/>
+              </a:spcBef>
+            </a:pPr>
+            <a:r>
+              <a:rPr lang="da-DK" altLang="da-DK" sz="1800" dirty="0" smtClean="0"/>
+              <a:t>Læg mærke til linkene “Vis compiler-output” og “Vis runtime-output” samt “Meddelelser” i testrapporterne</a:t>
+            </a:r>
+          </a:p>
+          <a:p>
+            <a:pPr marL="285750" lvl="1" indent="-285750">
+              <a:spcBef>
+                <a:spcPts val="1200"/>
+              </a:spcBef>
               <a:buChar char="•"/>
             </a:pPr>
             <a:r>
@@ -6581,7 +6617,7 @@
         </p:nvSpPr>
         <p:spPr>
           <a:xfrm rot="21165640">
-            <a:off x="4159845" y="4641697"/>
+            <a:off x="5023941" y="5941555"/>
             <a:ext cx="3280124" cy="523220"/>
           </a:xfrm>
           <a:prstGeom prst="rect">

--- a/web/g24/status/Status5.pptx
+++ b/web/g24/status/Status5.pptx
@@ -5,16 +5,17 @@
     <p:sldMasterId id="2147483648" r:id="rId1"/>
   </p:sldMasterIdLst>
   <p:notesMasterIdLst>
-    <p:notesMasterId r:id="rId6"/>
+    <p:notesMasterId r:id="rId7"/>
   </p:notesMasterIdLst>
   <p:handoutMasterIdLst>
-    <p:handoutMasterId r:id="rId7"/>
+    <p:handoutMasterId r:id="rId8"/>
   </p:handoutMasterIdLst>
   <p:sldIdLst>
     <p:sldId id="383" r:id="rId2"/>
     <p:sldId id="390" r:id="rId3"/>
     <p:sldId id="389" r:id="rId4"/>
     <p:sldId id="386" r:id="rId5"/>
+    <p:sldId id="391" r:id="rId6"/>
   </p:sldIdLst>
   <p:sldSz cx="9144000" cy="6858000" type="screen4x3"/>
   <p:notesSz cx="7099300" cy="10234613"/>
@@ -152,6 +153,7 @@
             <p14:sldId id="390"/>
             <p14:sldId id="389"/>
             <p14:sldId id="386"/>
+            <p14:sldId id="391"/>
           </p14:sldIdLst>
         </p14:section>
       </p14:sectionLst>
@@ -2286,6 +2288,283 @@
     <p:extLst>
       <p:ext uri="{BB962C8B-B14F-4D97-AF65-F5344CB8AC3E}">
         <p14:creationId xmlns:p14="http://schemas.microsoft.com/office/powerpoint/2010/main" val="2666246785"/>
+      </p:ext>
+    </p:extLst>
+  </p:cSld>
+  <p:clrMapOvr>
+    <a:masterClrMapping/>
+  </p:clrMapOvr>
+</p:notes>
+</file>
+
+<file path=ppt/notesSlides/notesSlide5.xml><?xml version="1.0" encoding="utf-8"?>
+<p:notes xmlns:a="http://schemas.openxmlformats.org/drawingml/2006/main" xmlns:r="http://schemas.openxmlformats.org/officeDocument/2006/relationships" xmlns:p="http://schemas.openxmlformats.org/presentationml/2006/main">
+  <p:cSld>
+    <p:spTree>
+      <p:nvGrpSpPr>
+        <p:cNvPr id="1" name=""/>
+        <p:cNvGrpSpPr/>
+        <p:nvPr/>
+      </p:nvGrpSpPr>
+      <p:grpSpPr>
+        <a:xfrm>
+          <a:off x="0" y="0"/>
+          <a:ext cx="0" cy="0"/>
+          <a:chOff x="0" y="0"/>
+          <a:chExt cx="0" cy="0"/>
+        </a:xfrm>
+      </p:grpSpPr>
+      <p:sp>
+        <p:nvSpPr>
+          <p:cNvPr id="22530" name="Rectangle 7"/>
+          <p:cNvSpPr>
+            <a:spLocks noGrp="1" noChangeArrowheads="1"/>
+          </p:cNvSpPr>
+          <p:nvPr>
+            <p:ph type="sldNum" sz="quarter" idx="5"/>
+          </p:nvPr>
+        </p:nvSpPr>
+        <p:spPr>
+          <a:noFill/>
+          <a:ln/>
+          <a:extLst>
+            <a:ext uri="{909E8E84-426E-40DD-AFC4-6F175D3DCCD1}">
+              <a14:hiddenFill xmlns:a14="http://schemas.microsoft.com/office/drawing/2010/main">
+                <a:solidFill>
+                  <a:srgbClr val="FFFFFF"/>
+                </a:solidFill>
+              </a14:hiddenFill>
+            </a:ext>
+            <a:ext uri="{91240B29-F687-4F45-9708-019B960494DF}">
+              <a14:hiddenLine xmlns:a14="http://schemas.microsoft.com/office/drawing/2010/main" w="9525">
+                <a:solidFill>
+                  <a:srgbClr val="000000"/>
+                </a:solidFill>
+                <a:miter lim="800000"/>
+                <a:headEnd/>
+                <a:tailEnd/>
+              </a14:hiddenLine>
+            </a:ext>
+          </a:extLst>
+        </p:spPr>
+        <p:txBody>
+          <a:bodyPr/>
+          <a:lstStyle>
+            <a:lvl1pPr defTabSz="990528" eaLnBrk="0" hangingPunct="0">
+              <a:spcBef>
+                <a:spcPct val="30000"/>
+              </a:spcBef>
+              <a:defRPr sz="1200">
+                <a:solidFill>
+                  <a:schemeClr val="tx1"/>
+                </a:solidFill>
+                <a:latin typeface="Times New Roman" pitchFamily="18" charset="0"/>
+                <a:ea typeface="ＭＳ Ｐゴシック" pitchFamily="34" charset="-128"/>
+              </a:defRPr>
+            </a:lvl1pPr>
+            <a:lvl2pPr marL="742897" indent="-285730" defTabSz="990528" eaLnBrk="0" hangingPunct="0">
+              <a:spcBef>
+                <a:spcPct val="30000"/>
+              </a:spcBef>
+              <a:defRPr sz="1200">
+                <a:solidFill>
+                  <a:schemeClr val="tx1"/>
+                </a:solidFill>
+                <a:latin typeface="Times New Roman" pitchFamily="18" charset="0"/>
+                <a:ea typeface="ＭＳ Ｐゴシック" pitchFamily="34" charset="-128"/>
+              </a:defRPr>
+            </a:lvl2pPr>
+            <a:lvl3pPr marL="1142918" indent="-228584" defTabSz="990528" eaLnBrk="0" hangingPunct="0">
+              <a:spcBef>
+                <a:spcPct val="30000"/>
+              </a:spcBef>
+              <a:defRPr sz="1200">
+                <a:solidFill>
+                  <a:schemeClr val="tx1"/>
+                </a:solidFill>
+                <a:latin typeface="Times New Roman" pitchFamily="18" charset="0"/>
+                <a:ea typeface="ＭＳ Ｐゴシック" pitchFamily="34" charset="-128"/>
+              </a:defRPr>
+            </a:lvl3pPr>
+            <a:lvl4pPr marL="1600085" indent="-228584" defTabSz="990528" eaLnBrk="0" hangingPunct="0">
+              <a:spcBef>
+                <a:spcPct val="30000"/>
+              </a:spcBef>
+              <a:defRPr sz="1200">
+                <a:solidFill>
+                  <a:schemeClr val="tx1"/>
+                </a:solidFill>
+                <a:latin typeface="Times New Roman" pitchFamily="18" charset="0"/>
+                <a:ea typeface="ＭＳ Ｐゴシック" pitchFamily="34" charset="-128"/>
+              </a:defRPr>
+            </a:lvl4pPr>
+            <a:lvl5pPr marL="2057252" indent="-228584" defTabSz="990528" eaLnBrk="0" hangingPunct="0">
+              <a:spcBef>
+                <a:spcPct val="30000"/>
+              </a:spcBef>
+              <a:defRPr sz="1200">
+                <a:solidFill>
+                  <a:schemeClr val="tx1"/>
+                </a:solidFill>
+                <a:latin typeface="Times New Roman" pitchFamily="18" charset="0"/>
+                <a:ea typeface="ＭＳ Ｐゴシック" pitchFamily="34" charset="-128"/>
+              </a:defRPr>
+            </a:lvl5pPr>
+            <a:lvl6pPr marL="2514419" indent="-228584" defTabSz="990528" eaLnBrk="0" fontAlgn="base" hangingPunct="0">
+              <a:spcBef>
+                <a:spcPct val="30000"/>
+              </a:spcBef>
+              <a:spcAft>
+                <a:spcPct val="0"/>
+              </a:spcAft>
+              <a:defRPr sz="1200">
+                <a:solidFill>
+                  <a:schemeClr val="tx1"/>
+                </a:solidFill>
+                <a:latin typeface="Times New Roman" pitchFamily="18" charset="0"/>
+                <a:ea typeface="ＭＳ Ｐゴシック" pitchFamily="34" charset="-128"/>
+              </a:defRPr>
+            </a:lvl6pPr>
+            <a:lvl7pPr marL="2971585" indent="-228584" defTabSz="990528" eaLnBrk="0" fontAlgn="base" hangingPunct="0">
+              <a:spcBef>
+                <a:spcPct val="30000"/>
+              </a:spcBef>
+              <a:spcAft>
+                <a:spcPct val="0"/>
+              </a:spcAft>
+              <a:defRPr sz="1200">
+                <a:solidFill>
+                  <a:schemeClr val="tx1"/>
+                </a:solidFill>
+                <a:latin typeface="Times New Roman" pitchFamily="18" charset="0"/>
+                <a:ea typeface="ＭＳ Ｐゴシック" pitchFamily="34" charset="-128"/>
+              </a:defRPr>
+            </a:lvl7pPr>
+            <a:lvl8pPr marL="3428752" indent="-228584" defTabSz="990528" eaLnBrk="0" fontAlgn="base" hangingPunct="0">
+              <a:spcBef>
+                <a:spcPct val="30000"/>
+              </a:spcBef>
+              <a:spcAft>
+                <a:spcPct val="0"/>
+              </a:spcAft>
+              <a:defRPr sz="1200">
+                <a:solidFill>
+                  <a:schemeClr val="tx1"/>
+                </a:solidFill>
+                <a:latin typeface="Times New Roman" pitchFamily="18" charset="0"/>
+                <a:ea typeface="ＭＳ Ｐゴシック" pitchFamily="34" charset="-128"/>
+              </a:defRPr>
+            </a:lvl8pPr>
+            <a:lvl9pPr marL="3885919" indent="-228584" defTabSz="990528" eaLnBrk="0" fontAlgn="base" hangingPunct="0">
+              <a:spcBef>
+                <a:spcPct val="30000"/>
+              </a:spcBef>
+              <a:spcAft>
+                <a:spcPct val="0"/>
+              </a:spcAft>
+              <a:defRPr sz="1200">
+                <a:solidFill>
+                  <a:schemeClr val="tx1"/>
+                </a:solidFill>
+                <a:latin typeface="Times New Roman" pitchFamily="18" charset="0"/>
+                <a:ea typeface="ＭＳ Ｐゴシック" pitchFamily="34" charset="-128"/>
+              </a:defRPr>
+            </a:lvl9pPr>
+          </a:lstStyle>
+          <a:p>
+            <a:pPr eaLnBrk="1" hangingPunct="1">
+              <a:spcBef>
+                <a:spcPct val="0"/>
+              </a:spcBef>
+            </a:pPr>
+            <a:fld id="{392CB419-FA32-4238-A473-EBED58FF00DE}" type="slidenum">
+              <a:rPr lang="da-DK" altLang="da-DK" sz="1300">
+                <a:solidFill>
+                  <a:srgbClr val="CC0000"/>
+                </a:solidFill>
+              </a:rPr>
+              <a:pPr eaLnBrk="1" hangingPunct="1">
+                <a:spcBef>
+                  <a:spcPct val="0"/>
+                </a:spcBef>
+              </a:pPr>
+              <a:t>5</a:t>
+            </a:fld>
+            <a:endParaRPr lang="da-DK" altLang="da-DK" sz="1300">
+              <a:solidFill>
+                <a:srgbClr val="CC0000"/>
+              </a:solidFill>
+            </a:endParaRPr>
+          </a:p>
+        </p:txBody>
+      </p:sp>
+      <p:sp>
+        <p:nvSpPr>
+          <p:cNvPr id="22531" name="Rectangle 2"/>
+          <p:cNvSpPr>
+            <a:spLocks noGrp="1" noRot="1" noChangeAspect="1" noChangeArrowheads="1" noTextEdit="1"/>
+          </p:cNvSpPr>
+          <p:nvPr>
+            <p:ph type="sldImg"/>
+          </p:nvPr>
+        </p:nvSpPr>
+        <p:spPr>
+          <a:xfrm>
+            <a:off x="992188" y="768350"/>
+            <a:ext cx="5114925" cy="3836988"/>
+          </a:xfrm>
+          <a:ln/>
+        </p:spPr>
+      </p:sp>
+      <p:sp>
+        <p:nvSpPr>
+          <p:cNvPr id="22532" name="Rectangle 3"/>
+          <p:cNvSpPr>
+            <a:spLocks noGrp="1" noChangeArrowheads="1"/>
+          </p:cNvSpPr>
+          <p:nvPr>
+            <p:ph type="body" idx="1"/>
+          </p:nvPr>
+        </p:nvSpPr>
+        <p:spPr>
+          <a:noFill/>
+          <a:ln/>
+          <a:extLst>
+            <a:ext uri="{909E8E84-426E-40DD-AFC4-6F175D3DCCD1}">
+              <a14:hiddenFill xmlns:a14="http://schemas.microsoft.com/office/drawing/2010/main">
+                <a:solidFill>
+                  <a:srgbClr val="FFFFFF"/>
+                </a:solidFill>
+              </a14:hiddenFill>
+            </a:ext>
+            <a:ext uri="{91240B29-F687-4F45-9708-019B960494DF}">
+              <a14:hiddenLine xmlns:a14="http://schemas.microsoft.com/office/drawing/2010/main" w="9525">
+                <a:solidFill>
+                  <a:srgbClr val="000000"/>
+                </a:solidFill>
+                <a:miter lim="800000"/>
+                <a:headEnd/>
+                <a:tailEnd/>
+              </a14:hiddenLine>
+            </a:ext>
+          </a:extLst>
+        </p:spPr>
+        <p:txBody>
+          <a:bodyPr/>
+          <a:lstStyle/>
+          <a:p>
+            <a:pPr eaLnBrk="1" hangingPunct="1"/>
+            <a:endParaRPr lang="en-US" altLang="da-DK" smtClean="0">
+              <a:latin typeface="Times New Roman" pitchFamily="18" charset="0"/>
+              <a:ea typeface="ＭＳ Ｐゴシック" pitchFamily="34" charset="-128"/>
+            </a:endParaRPr>
+          </a:p>
+        </p:txBody>
+      </p:sp>
+    </p:spTree>
+    <p:extLst>
+      <p:ext uri="{BB962C8B-B14F-4D97-AF65-F5344CB8AC3E}">
+        <p14:creationId xmlns:p14="http://schemas.microsoft.com/office/powerpoint/2010/main" val="45220393"/>
       </p:ext>
     </p:extLst>
   </p:cSld>
@@ -5864,15 +6143,7 @@
             </a:pPr>
             <a:r>
               <a:rPr lang="da-DK" altLang="da-DK" sz="1600" dirty="0" smtClean="0"/>
-              <a:t>Det er et ufravigeligt krav, idet det er jer, der </a:t>
-            </a:r>
-            <a:r>
-              <a:rPr lang="da-DK" altLang="da-DK" sz="1600" dirty="0" smtClean="0"/>
-              <a:t>skal øver jer i at finde </a:t>
-            </a:r>
-            <a:r>
-              <a:rPr lang="da-DK" altLang="da-DK" sz="1600" dirty="0" smtClean="0"/>
-              <a:t>og rette fejlene – ikke instruktorerne</a:t>
+              <a:t>Det er et ufravigeligt krav, idet det er jer, der skal øver jer i at finde og rette fejlene – ikke instruktorerne</a:t>
             </a:r>
           </a:p>
           <a:p>
@@ -6684,6 +6955,703 @@
     <p:extLst>
       <p:ext uri="{BB962C8B-B14F-4D97-AF65-F5344CB8AC3E}">
         <p14:creationId xmlns:p14="http://schemas.microsoft.com/office/powerpoint/2010/main" val="239744111"/>
+      </p:ext>
+    </p:extLst>
+  </p:cSld>
+  <p:clrMapOvr>
+    <a:masterClrMapping/>
+  </p:clrMapOvr>
+  <p:timing>
+    <p:tnLst>
+      <p:par>
+        <p:cTn id="1" dur="indefinite" restart="never" nodeType="tmRoot">
+          <p:childTnLst>
+            <p:seq concurrent="1" nextAc="seek">
+              <p:cTn id="2" dur="indefinite" nodeType="mainSeq">
+                <p:childTnLst>
+                  <p:par>
+                    <p:cTn id="3" fill="hold">
+                      <p:stCondLst>
+                        <p:cond delay="indefinite"/>
+                      </p:stCondLst>
+                      <p:childTnLst>
+                        <p:par>
+                          <p:cTn id="4" fill="hold">
+                            <p:stCondLst>
+                              <p:cond delay="0"/>
+                            </p:stCondLst>
+                            <p:childTnLst>
+                              <p:par>
+                                <p:cTn id="5" presetID="1" presetClass="entr" presetSubtype="0" fill="hold" nodeType="clickEffect">
+                                  <p:stCondLst>
+                                    <p:cond delay="0"/>
+                                  </p:stCondLst>
+                                  <p:childTnLst>
+                                    <p:set>
+                                      <p:cBhvr>
+                                        <p:cTn id="6" dur="1" fill="hold">
+                                          <p:stCondLst>
+                                            <p:cond delay="0"/>
+                                          </p:stCondLst>
+                                        </p:cTn>
+                                        <p:tgtEl>
+                                          <p:spTgt spid="5"/>
+                                        </p:tgtEl>
+                                        <p:attrNameLst>
+                                          <p:attrName>style.visibility</p:attrName>
+                                        </p:attrNameLst>
+                                      </p:cBhvr>
+                                      <p:to>
+                                        <p:strVal val="visible"/>
+                                      </p:to>
+                                    </p:set>
+                                  </p:childTnLst>
+                                </p:cTn>
+                              </p:par>
+                            </p:childTnLst>
+                          </p:cTn>
+                        </p:par>
+                      </p:childTnLst>
+                    </p:cTn>
+                  </p:par>
+                </p:childTnLst>
+              </p:cTn>
+              <p:prevCondLst>
+                <p:cond evt="onPrev" delay="0">
+                  <p:tgtEl>
+                    <p:sldTgt/>
+                  </p:tgtEl>
+                </p:cond>
+              </p:prevCondLst>
+              <p:nextCondLst>
+                <p:cond evt="onNext" delay="0">
+                  <p:tgtEl>
+                    <p:sldTgt/>
+                  </p:tgtEl>
+                </p:cond>
+              </p:nextCondLst>
+            </p:seq>
+          </p:childTnLst>
+        </p:cTn>
+      </p:par>
+    </p:tnLst>
+  </p:timing>
+</p:sld>
+</file>
+
+<file path=ppt/slides/slide5.xml><?xml version="1.0" encoding="utf-8"?>
+<p:sld xmlns:a="http://schemas.openxmlformats.org/drawingml/2006/main" xmlns:r="http://schemas.openxmlformats.org/officeDocument/2006/relationships" xmlns:p="http://schemas.openxmlformats.org/presentationml/2006/main">
+  <p:cSld>
+    <p:spTree>
+      <p:nvGrpSpPr>
+        <p:cNvPr id="1" name=""/>
+        <p:cNvGrpSpPr/>
+        <p:nvPr/>
+      </p:nvGrpSpPr>
+      <p:grpSpPr>
+        <a:xfrm>
+          <a:off x="0" y="0"/>
+          <a:ext cx="0" cy="0"/>
+          <a:chOff x="0" y="0"/>
+          <a:chExt cx="0" cy="0"/>
+        </a:xfrm>
+      </p:grpSpPr>
+      <p:sp>
+        <p:nvSpPr>
+          <p:cNvPr id="4" name="Title 1"/>
+          <p:cNvSpPr txBox="1">
+            <a:spLocks/>
+          </p:cNvSpPr>
+          <p:nvPr/>
+        </p:nvSpPr>
+        <p:spPr bwMode="auto">
+          <a:xfrm>
+            <a:off x="459225" y="260349"/>
+            <a:ext cx="8793295" cy="682625"/>
+          </a:xfrm>
+          <a:prstGeom prst="rect">
+            <a:avLst/>
+          </a:prstGeom>
+          <a:noFill/>
+          <a:ln>
+            <a:noFill/>
+          </a:ln>
+          <a:extLst>
+            <a:ext uri="{909E8E84-426E-40DD-AFC4-6F175D3DCCD1}">
+              <a14:hiddenFill xmlns:a14="http://schemas.microsoft.com/office/drawing/2010/main">
+                <a:solidFill>
+                  <a:srgbClr val="FFFFFF"/>
+                </a:solidFill>
+              </a14:hiddenFill>
+            </a:ext>
+            <a:ext uri="{91240B29-F687-4F45-9708-019B960494DF}">
+              <a14:hiddenLine xmlns:a14="http://schemas.microsoft.com/office/drawing/2010/main" w="9525">
+                <a:solidFill>
+                  <a:srgbClr val="000000"/>
+                </a:solidFill>
+                <a:miter lim="800000"/>
+                <a:headEnd/>
+                <a:tailEnd/>
+              </a14:hiddenLine>
+            </a:ext>
+          </a:extLst>
+        </p:spPr>
+        <p:txBody>
+          <a:bodyPr anchor="ctr"/>
+          <a:lstStyle>
+            <a:lvl1pPr algn="l" rtl="0" eaLnBrk="0" fontAlgn="base" hangingPunct="0">
+              <a:spcBef>
+                <a:spcPct val="0"/>
+              </a:spcBef>
+              <a:spcAft>
+                <a:spcPct val="0"/>
+              </a:spcAft>
+              <a:defRPr sz="3600" b="1">
+                <a:solidFill>
+                  <a:srgbClr val="000066"/>
+                </a:solidFill>
+                <a:latin typeface="+mj-lt"/>
+                <a:ea typeface="ＭＳ Ｐゴシック" pitchFamily="-107" charset="-128"/>
+                <a:cs typeface="ＭＳ Ｐゴシック" pitchFamily="-107" charset="-128"/>
+              </a:defRPr>
+            </a:lvl1pPr>
+            <a:lvl2pPr algn="l" rtl="0" eaLnBrk="0" fontAlgn="base" hangingPunct="0">
+              <a:spcBef>
+                <a:spcPct val="0"/>
+              </a:spcBef>
+              <a:spcAft>
+                <a:spcPct val="0"/>
+              </a:spcAft>
+              <a:defRPr sz="3600" b="1">
+                <a:solidFill>
+                  <a:srgbClr val="000066"/>
+                </a:solidFill>
+                <a:latin typeface="Arial" charset="0"/>
+                <a:ea typeface="ＭＳ Ｐゴシック" pitchFamily="-107" charset="-128"/>
+                <a:cs typeface="ＭＳ Ｐゴシック" pitchFamily="-107" charset="-128"/>
+              </a:defRPr>
+            </a:lvl2pPr>
+            <a:lvl3pPr algn="l" rtl="0" eaLnBrk="0" fontAlgn="base" hangingPunct="0">
+              <a:spcBef>
+                <a:spcPct val="0"/>
+              </a:spcBef>
+              <a:spcAft>
+                <a:spcPct val="0"/>
+              </a:spcAft>
+              <a:defRPr sz="3600" b="1">
+                <a:solidFill>
+                  <a:srgbClr val="000066"/>
+                </a:solidFill>
+                <a:latin typeface="Arial" charset="0"/>
+                <a:ea typeface="ＭＳ Ｐゴシック" pitchFamily="-107" charset="-128"/>
+                <a:cs typeface="ＭＳ Ｐゴシック" pitchFamily="-107" charset="-128"/>
+              </a:defRPr>
+            </a:lvl3pPr>
+            <a:lvl4pPr algn="l" rtl="0" eaLnBrk="0" fontAlgn="base" hangingPunct="0">
+              <a:spcBef>
+                <a:spcPct val="0"/>
+              </a:spcBef>
+              <a:spcAft>
+                <a:spcPct val="0"/>
+              </a:spcAft>
+              <a:defRPr sz="3600" b="1">
+                <a:solidFill>
+                  <a:srgbClr val="000066"/>
+                </a:solidFill>
+                <a:latin typeface="Arial" charset="0"/>
+                <a:ea typeface="ＭＳ Ｐゴシック" pitchFamily="-107" charset="-128"/>
+                <a:cs typeface="ＭＳ Ｐゴシック" pitchFamily="-107" charset="-128"/>
+              </a:defRPr>
+            </a:lvl4pPr>
+            <a:lvl5pPr algn="l" rtl="0" eaLnBrk="0" fontAlgn="base" hangingPunct="0">
+              <a:spcBef>
+                <a:spcPct val="0"/>
+              </a:spcBef>
+              <a:spcAft>
+                <a:spcPct val="0"/>
+              </a:spcAft>
+              <a:defRPr sz="3600" b="1">
+                <a:solidFill>
+                  <a:srgbClr val="000066"/>
+                </a:solidFill>
+                <a:latin typeface="Arial" charset="0"/>
+                <a:ea typeface="ＭＳ Ｐゴシック" pitchFamily="-107" charset="-128"/>
+                <a:cs typeface="ＭＳ Ｐゴシック" pitchFamily="-107" charset="-128"/>
+              </a:defRPr>
+            </a:lvl5pPr>
+            <a:lvl6pPr marL="457200" algn="l" rtl="0" fontAlgn="base">
+              <a:spcBef>
+                <a:spcPct val="0"/>
+              </a:spcBef>
+              <a:spcAft>
+                <a:spcPct val="0"/>
+              </a:spcAft>
+              <a:defRPr sz="3600" b="1">
+                <a:solidFill>
+                  <a:srgbClr val="000066"/>
+                </a:solidFill>
+                <a:latin typeface="Arial" charset="0"/>
+              </a:defRPr>
+            </a:lvl6pPr>
+            <a:lvl7pPr marL="914400" algn="l" rtl="0" fontAlgn="base">
+              <a:spcBef>
+                <a:spcPct val="0"/>
+              </a:spcBef>
+              <a:spcAft>
+                <a:spcPct val="0"/>
+              </a:spcAft>
+              <a:defRPr sz="3600" b="1">
+                <a:solidFill>
+                  <a:srgbClr val="000066"/>
+                </a:solidFill>
+                <a:latin typeface="Arial" charset="0"/>
+              </a:defRPr>
+            </a:lvl7pPr>
+            <a:lvl8pPr marL="1371600" algn="l" rtl="0" fontAlgn="base">
+              <a:spcBef>
+                <a:spcPct val="0"/>
+              </a:spcBef>
+              <a:spcAft>
+                <a:spcPct val="0"/>
+              </a:spcAft>
+              <a:defRPr sz="3600" b="1">
+                <a:solidFill>
+                  <a:srgbClr val="000066"/>
+                </a:solidFill>
+                <a:latin typeface="Arial" charset="0"/>
+              </a:defRPr>
+            </a:lvl8pPr>
+            <a:lvl9pPr marL="1828800" algn="l" rtl="0" fontAlgn="base">
+              <a:spcBef>
+                <a:spcPct val="0"/>
+              </a:spcBef>
+              <a:spcAft>
+                <a:spcPct val="0"/>
+              </a:spcAft>
+              <a:defRPr sz="3600" b="1">
+                <a:solidFill>
+                  <a:srgbClr val="000066"/>
+                </a:solidFill>
+                <a:latin typeface="Arial" charset="0"/>
+              </a:defRPr>
+            </a:lvl9pPr>
+          </a:lstStyle>
+          <a:p>
+            <a:pPr marL="271463" indent="-271463"/>
+            <a:r>
+              <a:rPr lang="da-DK" altLang="da-DK" sz="2800" dirty="0" smtClean="0"/>
+              <a:t>Testserveren er opgraderet</a:t>
+            </a:r>
+            <a:endParaRPr lang="da-DK" altLang="da-DK" sz="2800" dirty="0"/>
+          </a:p>
+        </p:txBody>
+      </p:sp>
+      <p:sp>
+        <p:nvSpPr>
+          <p:cNvPr id="8" name="Content Placeholder 2"/>
+          <p:cNvSpPr txBox="1">
+            <a:spLocks/>
+          </p:cNvSpPr>
+          <p:nvPr/>
+        </p:nvSpPr>
+        <p:spPr bwMode="auto">
+          <a:xfrm>
+            <a:off x="404798" y="1071208"/>
+            <a:ext cx="8415673" cy="3509920"/>
+          </a:xfrm>
+          <a:prstGeom prst="rect">
+            <a:avLst/>
+          </a:prstGeom>
+          <a:noFill/>
+          <a:ln>
+            <a:noFill/>
+          </a:ln>
+          <a:extLst>
+            <a:ext uri="{909E8E84-426E-40DD-AFC4-6F175D3DCCD1}">
+              <a14:hiddenFill xmlns:a14="http://schemas.microsoft.com/office/drawing/2010/main">
+                <a:solidFill>
+                  <a:srgbClr val="FFFFFF"/>
+                </a:solidFill>
+              </a14:hiddenFill>
+            </a:ext>
+            <a:ext uri="{91240B29-F687-4F45-9708-019B960494DF}">
+              <a14:hiddenLine xmlns:a14="http://schemas.microsoft.com/office/drawing/2010/main" w="9525">
+                <a:solidFill>
+                  <a:srgbClr val="000000"/>
+                </a:solidFill>
+                <a:miter lim="800000"/>
+                <a:headEnd/>
+                <a:tailEnd/>
+              </a14:hiddenLine>
+            </a:ext>
+          </a:extLst>
+        </p:spPr>
+        <p:txBody>
+          <a:bodyPr/>
+          <a:lstStyle>
+            <a:lvl1pPr eaLnBrk="0" hangingPunct="0">
+              <a:spcBef>
+                <a:spcPct val="20000"/>
+              </a:spcBef>
+              <a:buChar char="•"/>
+              <a:defRPr sz="2400" b="1">
+                <a:solidFill>
+                  <a:srgbClr val="A50021"/>
+                </a:solidFill>
+                <a:latin typeface="Arial" pitchFamily="34" charset="0"/>
+                <a:ea typeface="ＭＳ Ｐゴシック" pitchFamily="34" charset="-128"/>
+              </a:defRPr>
+            </a:lvl1pPr>
+            <a:lvl2pPr eaLnBrk="0" hangingPunct="0">
+              <a:spcBef>
+                <a:spcPct val="20000"/>
+              </a:spcBef>
+              <a:buChar char="–"/>
+              <a:defRPr sz="2000">
+                <a:solidFill>
+                  <a:srgbClr val="000066"/>
+                </a:solidFill>
+                <a:latin typeface="Arial" pitchFamily="34" charset="0"/>
+                <a:ea typeface="ＭＳ Ｐゴシック" pitchFamily="34" charset="-128"/>
+              </a:defRPr>
+            </a:lvl2pPr>
+            <a:lvl3pPr eaLnBrk="0" hangingPunct="0">
+              <a:spcBef>
+                <a:spcPct val="20000"/>
+              </a:spcBef>
+              <a:buChar char="•"/>
+              <a:defRPr sz="1600">
+                <a:solidFill>
+                  <a:schemeClr val="tx1"/>
+                </a:solidFill>
+                <a:latin typeface="Arial" pitchFamily="34" charset="0"/>
+                <a:ea typeface="ＭＳ Ｐゴシック" pitchFamily="34" charset="-128"/>
+              </a:defRPr>
+            </a:lvl3pPr>
+            <a:lvl4pPr eaLnBrk="0" hangingPunct="0">
+              <a:spcBef>
+                <a:spcPct val="20000"/>
+              </a:spcBef>
+              <a:buChar char="–"/>
+              <a:defRPr sz="1600">
+                <a:solidFill>
+                  <a:schemeClr val="tx1"/>
+                </a:solidFill>
+                <a:latin typeface="Times New Roman" pitchFamily="18" charset="0"/>
+                <a:ea typeface="ＭＳ Ｐゴシック" pitchFamily="34" charset="-128"/>
+              </a:defRPr>
+            </a:lvl4pPr>
+            <a:lvl5pPr eaLnBrk="0" hangingPunct="0">
+              <a:spcBef>
+                <a:spcPct val="20000"/>
+              </a:spcBef>
+              <a:buChar char="»"/>
+              <a:defRPr sz="1200">
+                <a:solidFill>
+                  <a:schemeClr val="tx1"/>
+                </a:solidFill>
+                <a:latin typeface="Times New Roman" pitchFamily="18" charset="0"/>
+                <a:ea typeface="ＭＳ Ｐゴシック" pitchFamily="34" charset="-128"/>
+              </a:defRPr>
+            </a:lvl5pPr>
+            <a:lvl6pPr eaLnBrk="0" fontAlgn="base" hangingPunct="0">
+              <a:spcBef>
+                <a:spcPct val="20000"/>
+              </a:spcBef>
+              <a:spcAft>
+                <a:spcPct val="0"/>
+              </a:spcAft>
+              <a:buChar char="»"/>
+              <a:defRPr sz="1200">
+                <a:solidFill>
+                  <a:schemeClr val="tx1"/>
+                </a:solidFill>
+                <a:latin typeface="Times New Roman" pitchFamily="18" charset="0"/>
+                <a:ea typeface="ＭＳ Ｐゴシック" pitchFamily="34" charset="-128"/>
+              </a:defRPr>
+            </a:lvl6pPr>
+            <a:lvl7pPr eaLnBrk="0" fontAlgn="base" hangingPunct="0">
+              <a:spcBef>
+                <a:spcPct val="20000"/>
+              </a:spcBef>
+              <a:spcAft>
+                <a:spcPct val="0"/>
+              </a:spcAft>
+              <a:buChar char="»"/>
+              <a:defRPr sz="1200">
+                <a:solidFill>
+                  <a:schemeClr val="tx1"/>
+                </a:solidFill>
+                <a:latin typeface="Times New Roman" pitchFamily="18" charset="0"/>
+                <a:ea typeface="ＭＳ Ｐゴシック" pitchFamily="34" charset="-128"/>
+              </a:defRPr>
+            </a:lvl7pPr>
+            <a:lvl8pPr eaLnBrk="0" fontAlgn="base" hangingPunct="0">
+              <a:spcBef>
+                <a:spcPct val="20000"/>
+              </a:spcBef>
+              <a:spcAft>
+                <a:spcPct val="0"/>
+              </a:spcAft>
+              <a:buChar char="»"/>
+              <a:defRPr sz="1200">
+                <a:solidFill>
+                  <a:schemeClr val="tx1"/>
+                </a:solidFill>
+                <a:latin typeface="Times New Roman" pitchFamily="18" charset="0"/>
+                <a:ea typeface="ＭＳ Ｐゴシック" pitchFamily="34" charset="-128"/>
+              </a:defRPr>
+            </a:lvl8pPr>
+            <a:lvl9pPr eaLnBrk="0" fontAlgn="base" hangingPunct="0">
+              <a:spcBef>
+                <a:spcPct val="20000"/>
+              </a:spcBef>
+              <a:spcAft>
+                <a:spcPct val="0"/>
+              </a:spcAft>
+              <a:buChar char="»"/>
+              <a:defRPr sz="1200">
+                <a:solidFill>
+                  <a:schemeClr val="tx1"/>
+                </a:solidFill>
+                <a:latin typeface="Times New Roman" pitchFamily="18" charset="0"/>
+                <a:ea typeface="ＭＳ Ｐゴシック" pitchFamily="34" charset="-128"/>
+              </a:defRPr>
+            </a:lvl9pPr>
+          </a:lstStyle>
+          <a:p>
+            <a:pPr marL="285750" lvl="1" indent="-285750">
+              <a:spcBef>
+                <a:spcPts val="1200"/>
+              </a:spcBef>
+              <a:buFontTx/>
+              <a:buChar char="•"/>
+            </a:pPr>
+            <a:r>
+              <a:rPr lang="da-DK" b="1" dirty="0" smtClean="0">
+                <a:solidFill>
+                  <a:srgbClr val="A50021"/>
+                </a:solidFill>
+              </a:rPr>
+              <a:t>Vi </a:t>
+            </a:r>
+            <a:r>
+              <a:rPr lang="da-DK" b="1" dirty="0">
+                <a:solidFill>
+                  <a:srgbClr val="A50021"/>
+                </a:solidFill>
+              </a:rPr>
+              <a:t>har opgraderet testserveren, således at den nu bruger Java version 17, mens bogen bruger Java version 8.</a:t>
+            </a:r>
+          </a:p>
+          <a:p>
+            <a:pPr marL="742950" lvl="1" indent="-285750">
+              <a:spcBef>
+                <a:spcPts val="600"/>
+              </a:spcBef>
+            </a:pPr>
+            <a:r>
+              <a:rPr lang="da-DK" sz="1800" dirty="0"/>
+              <a:t>Der er kun forholdsvis små forskelle mellem de to versioner, og alt hvad man kan gøre i version 8 bør man også kunne gøre i version 17.</a:t>
+            </a:r>
+          </a:p>
+          <a:p>
+            <a:pPr marL="742950" lvl="1" indent="-285750">
+              <a:spcBef>
+                <a:spcPts val="600"/>
+              </a:spcBef>
+            </a:pPr>
+            <a:r>
+              <a:rPr lang="da-DK" sz="1800" dirty="0" smtClean="0"/>
+              <a:t>Hvis </a:t>
+            </a:r>
+            <a:r>
+              <a:rPr lang="da-DK" sz="1800" dirty="0"/>
+              <a:t>I ønsker </a:t>
+            </a:r>
+            <a:r>
+              <a:rPr lang="da-DK" sz="1800" dirty="0" smtClean="0"/>
+              <a:t>det, </a:t>
+            </a:r>
+            <a:r>
+              <a:rPr lang="da-DK" sz="1800" dirty="0"/>
+              <a:t>kan I fortsat bruge </a:t>
+            </a:r>
+            <a:r>
+              <a:rPr lang="da-DK" sz="1800" dirty="0" err="1"/>
+              <a:t>API’en</a:t>
+            </a:r>
+            <a:r>
+              <a:rPr lang="da-DK" sz="1800" dirty="0"/>
+              <a:t> for version 8, men umiddelbart </a:t>
+            </a:r>
+            <a:r>
+              <a:rPr lang="da-DK" sz="1800" dirty="0" smtClean="0"/>
+              <a:t>er </a:t>
+            </a:r>
+            <a:r>
+              <a:rPr lang="da-DK" sz="1800" dirty="0" err="1" smtClean="0"/>
+              <a:t>API’en</a:t>
+            </a:r>
+            <a:r>
+              <a:rPr lang="da-DK" sz="1800" dirty="0" smtClean="0"/>
+              <a:t> </a:t>
+            </a:r>
+            <a:r>
+              <a:rPr lang="da-DK" sz="1800" dirty="0"/>
+              <a:t>for version 17 er lidt nemmere </a:t>
+            </a:r>
+            <a:r>
+              <a:rPr lang="da-DK" sz="1800" dirty="0" smtClean="0"/>
+              <a:t>at finde rundt i</a:t>
+            </a:r>
+            <a:endParaRPr lang="da-DK" sz="1800" dirty="0"/>
+          </a:p>
+          <a:p>
+            <a:pPr marL="742950" lvl="1" indent="-285750">
+              <a:spcBef>
+                <a:spcPts val="600"/>
+              </a:spcBef>
+            </a:pPr>
+            <a:r>
+              <a:rPr lang="da-DK" sz="1800" dirty="0" smtClean="0"/>
+              <a:t>API for version 8 kan findes </a:t>
+            </a:r>
+            <a:r>
+              <a:rPr lang="da-DK" sz="1800" b="1" dirty="0" smtClean="0">
+                <a:hlinkClick r:id="rId3"/>
+              </a:rPr>
+              <a:t>her</a:t>
+            </a:r>
+            <a:endParaRPr lang="da-DK" sz="1800" dirty="0"/>
+          </a:p>
+          <a:p>
+            <a:pPr marL="742950" lvl="1" indent="-285750">
+              <a:spcBef>
+                <a:spcPts val="600"/>
+              </a:spcBef>
+            </a:pPr>
+            <a:r>
+              <a:rPr lang="da-DK" sz="1800" dirty="0" smtClean="0"/>
+              <a:t>API for version 17 kan findes </a:t>
+            </a:r>
+            <a:r>
+              <a:rPr lang="da-DK" sz="1800" b="1" dirty="0" smtClean="0">
+                <a:hlinkClick r:id="rId4"/>
+              </a:rPr>
+              <a:t>her</a:t>
+            </a:r>
+            <a:endParaRPr lang="da-DK" sz="1800" b="1" dirty="0" smtClean="0"/>
+          </a:p>
+          <a:p>
+            <a:pPr marL="742950" lvl="1" indent="-285750">
+              <a:spcBef>
+                <a:spcPts val="600"/>
+              </a:spcBef>
+            </a:pPr>
+            <a:r>
+              <a:rPr lang="da-DK" sz="1800" dirty="0" smtClean="0"/>
+              <a:t>Der er også links til de to </a:t>
+            </a:r>
+            <a:r>
+              <a:rPr lang="da-DK" sz="1800" dirty="0" err="1" smtClean="0"/>
+              <a:t>API’er</a:t>
+            </a:r>
+            <a:r>
+              <a:rPr lang="da-DK" sz="1800" dirty="0" smtClean="0"/>
+              <a:t> fra Brightspace siden </a:t>
+            </a:r>
+            <a:r>
+              <a:rPr lang="da-DK" sz="1800" b="1" dirty="0" smtClean="0"/>
+              <a:t>BlueJ og Java </a:t>
+            </a:r>
+            <a:r>
+              <a:rPr lang="da-DK" sz="1800" dirty="0" smtClean="0"/>
+              <a:t>under</a:t>
+            </a:r>
+            <a:r>
+              <a:rPr lang="da-DK" sz="1800" b="1" dirty="0" smtClean="0"/>
+              <a:t> Info om kurset</a:t>
+            </a:r>
+            <a:endParaRPr lang="da-DK" sz="1800" dirty="0"/>
+          </a:p>
+        </p:txBody>
+      </p:sp>
+      <p:sp>
+        <p:nvSpPr>
+          <p:cNvPr id="5" name="Rectangle 4"/>
+          <p:cNvSpPr/>
+          <p:nvPr/>
+        </p:nvSpPr>
+        <p:spPr>
+          <a:xfrm rot="21165640">
+            <a:off x="3583781" y="5289770"/>
+            <a:ext cx="3280124" cy="523220"/>
+          </a:xfrm>
+          <a:prstGeom prst="rect">
+            <a:avLst/>
+          </a:prstGeom>
+          <a:noFill/>
+        </p:spPr>
+        <p:txBody>
+          <a:bodyPr wrap="square">
+            <a:spAutoFit/>
+            <a:scene3d>
+              <a:camera prst="orthographicFront"/>
+              <a:lightRig rig="flat" dir="tl">
+                <a:rot lat="0" lon="0" rev="6600000"/>
+              </a:lightRig>
+            </a:scene3d>
+            <a:sp3d extrusionH="25400" contourW="8890">
+              <a:bevelT w="38100" h="31750"/>
+              <a:contourClr>
+                <a:schemeClr val="accent2">
+                  <a:shade val="75000"/>
+                </a:schemeClr>
+              </a:contourClr>
+            </a:sp3d>
+          </a:bodyPr>
+          <a:lstStyle/>
+          <a:p>
+            <a:pPr algn="ctr">
+              <a:defRPr/>
+            </a:pPr>
+            <a:r>
+              <a:rPr lang="da-DK" sz="2800" b="1" dirty="0" smtClean="0">
+                <a:ln w="11430"/>
+                <a:solidFill>
+                  <a:srgbClr val="CC0000"/>
+                </a:solidFill>
+                <a:effectLst>
+                  <a:outerShdw blurRad="50800" dist="39000" dir="5460000" algn="tl">
+                    <a:srgbClr val="000000">
+                      <a:alpha val="38000"/>
+                    </a:srgbClr>
+                  </a:outerShdw>
+                </a:effectLst>
+              </a:rPr>
+              <a:t>Forelæsning</a:t>
+            </a:r>
+            <a:endParaRPr lang="da-DK" sz="3200" b="1" dirty="0">
+              <a:ln w="11430"/>
+              <a:solidFill>
+                <a:srgbClr val="CC0000"/>
+              </a:solidFill>
+              <a:effectLst>
+                <a:outerShdw blurRad="50800" dist="39000" dir="5460000" algn="tl">
+                  <a:srgbClr val="000000">
+                    <a:alpha val="38000"/>
+                  </a:srgbClr>
+                </a:outerShdw>
+              </a:effectLst>
+            </a:endParaRPr>
+          </a:p>
+        </p:txBody>
+      </p:sp>
+    </p:spTree>
+    <p:extLst>
+      <p:ext uri="{BB962C8B-B14F-4D97-AF65-F5344CB8AC3E}">
+        <p14:creationId xmlns:p14="http://schemas.microsoft.com/office/powerpoint/2010/main" val="21392694"/>
       </p:ext>
     </p:extLst>
   </p:cSld>

--- a/web/g24/status/Status5.pptx
+++ b/web/g24/status/Status5.pptx
@@ -7441,8 +7441,21 @@
                   <a:srgbClr val="A50021"/>
                 </a:solidFill>
               </a:rPr>
-              <a:t>har opgraderet testserveren, således at den nu bruger Java version 17, mens bogen bruger Java version 8.</a:t>
-            </a:r>
+              <a:t>har opgraderet testserveren, således at den nu bruger Java version </a:t>
+            </a:r>
+            <a:r>
+              <a:rPr lang="da-DK" b="1" dirty="0" smtClean="0">
+                <a:solidFill>
+                  <a:srgbClr val="A50021"/>
+                </a:solidFill>
+              </a:rPr>
+              <a:t>17</a:t>
+            </a:r>
+            <a:endParaRPr lang="da-DK" b="1" dirty="0">
+              <a:solidFill>
+                <a:srgbClr val="A50021"/>
+              </a:solidFill>
+            </a:endParaRPr>
           </a:p>
           <a:p>
             <a:pPr marL="742950" lvl="1" indent="-285750">
@@ -7451,9 +7464,33 @@
               </a:spcBef>
             </a:pPr>
             <a:r>
+              <a:rPr lang="da-DK" sz="1800" dirty="0" smtClean="0"/>
+              <a:t>BlueJ programmeringsomgivelsen bruger også version 17, mens BlueJ bogen bruger version 8</a:t>
+            </a:r>
+          </a:p>
+          <a:p>
+            <a:pPr marL="742950" lvl="1" indent="-285750">
+              <a:spcBef>
+                <a:spcPts val="600"/>
+              </a:spcBef>
+            </a:pPr>
+            <a:r>
+              <a:rPr lang="da-DK" sz="1800" dirty="0" smtClean="0"/>
+              <a:t>Der </a:t>
+            </a:r>
+            <a:r>
               <a:rPr lang="da-DK" sz="1800" dirty="0"/>
-              <a:t>Der er kun forholdsvis små forskelle mellem de to versioner, og alt hvad man kan gøre i version 8 bør man også kunne gøre i version 17.</a:t>
-            </a:r>
+              <a:t>er kun forholdsvis små forskelle mellem de to versioner, og alt hvad man kan gøre i version 8 bør man også kunne gøre i </a:t>
+            </a:r>
+            <a:r>
+              <a:rPr lang="da-DK" sz="1800"/>
+              <a:t>version </a:t>
+            </a:r>
+            <a:r>
+              <a:rPr lang="da-DK" sz="1800" smtClean="0"/>
+              <a:t>17</a:t>
+            </a:r>
+            <a:endParaRPr lang="da-DK" sz="1800" dirty="0"/>
           </a:p>
           <a:p>
             <a:pPr marL="742950" lvl="1" indent="-285750">
